--- a/PresentatieMetadataIIIF.pptx
+++ b/PresentatieMetadataIIIF.pptx
@@ -14179,11 +14179,11 @@
   <p:clrMapOvr>
     <a:masterClrMapping/>
   </p:clrMapOvr>
-  <mc:AlternateContent xmlns:mc="http://schemas.openxmlformats.org/markup-compatibility/2006">
-    <mc:Choice xmlns:p14="http://schemas.microsoft.com/office/powerpoint/2010/main" Requires="p14">
+  <mc:AlternateContent xmlns:mc="http://schemas.openxmlformats.org/markup-compatibility/2006" xmlns:p14="http://schemas.microsoft.com/office/powerpoint/2010/main">
+    <mc:Choice Requires="p14">
       <p:transition spd="slow" p14:dur="2000" advTm="50794"/>
     </mc:Choice>
-    <mc:Fallback>
+    <mc:Fallback xmlns="">
       <p:transition spd="slow" advTm="50794"/>
     </mc:Fallback>
   </mc:AlternateContent>
@@ -14626,11 +14626,11 @@
   <p:clrMapOvr>
     <a:masterClrMapping/>
   </p:clrMapOvr>
-  <mc:AlternateContent xmlns:mc="http://schemas.openxmlformats.org/markup-compatibility/2006">
-    <mc:Choice xmlns:p14="http://schemas.microsoft.com/office/powerpoint/2010/main" Requires="p14">
+  <mc:AlternateContent xmlns:mc="http://schemas.openxmlformats.org/markup-compatibility/2006" xmlns:p14="http://schemas.microsoft.com/office/powerpoint/2010/main">
+    <mc:Choice Requires="p14">
       <p:transition spd="slow" p14:dur="2000" advTm="50794"/>
     </mc:Choice>
-    <mc:Fallback>
+    <mc:Fallback xmlns="">
       <p:transition spd="slow" advTm="50794"/>
     </mc:Fallback>
   </mc:AlternateContent>
@@ -14815,11 +14815,11 @@
   <p:clrMapOvr>
     <a:masterClrMapping/>
   </p:clrMapOvr>
-  <mc:AlternateContent xmlns:mc="http://schemas.openxmlformats.org/markup-compatibility/2006">
-    <mc:Choice xmlns:p14="http://schemas.microsoft.com/office/powerpoint/2010/main" Requires="p14">
+  <mc:AlternateContent xmlns:mc="http://schemas.openxmlformats.org/markup-compatibility/2006" xmlns:p14="http://schemas.microsoft.com/office/powerpoint/2010/main">
+    <mc:Choice Requires="p14">
       <p:transition spd="slow" p14:dur="2000" advTm="50794"/>
     </mc:Choice>
-    <mc:Fallback>
+    <mc:Fallback xmlns="">
       <p:transition spd="slow" advTm="50794"/>
     </mc:Fallback>
   </mc:AlternateContent>
@@ -15009,11 +15009,11 @@
   <p:clrMapOvr>
     <a:masterClrMapping/>
   </p:clrMapOvr>
-  <mc:AlternateContent xmlns:mc="http://schemas.openxmlformats.org/markup-compatibility/2006">
-    <mc:Choice xmlns:p14="http://schemas.microsoft.com/office/powerpoint/2010/main" Requires="p14">
+  <mc:AlternateContent xmlns:mc="http://schemas.openxmlformats.org/markup-compatibility/2006" xmlns:p14="http://schemas.microsoft.com/office/powerpoint/2010/main">
+    <mc:Choice Requires="p14">
       <p:transition spd="slow" p14:dur="2000" advTm="50794"/>
     </mc:Choice>
-    <mc:Fallback>
+    <mc:Fallback xmlns="">
       <p:transition spd="slow" advTm="50794"/>
     </mc:Fallback>
   </mc:AlternateContent>
@@ -15243,11 +15243,11 @@
   <p:clrMapOvr>
     <a:masterClrMapping/>
   </p:clrMapOvr>
-  <mc:AlternateContent xmlns:mc="http://schemas.openxmlformats.org/markup-compatibility/2006">
-    <mc:Choice xmlns:p14="http://schemas.microsoft.com/office/powerpoint/2010/main" Requires="p14">
+  <mc:AlternateContent xmlns:mc="http://schemas.openxmlformats.org/markup-compatibility/2006" xmlns:p14="http://schemas.microsoft.com/office/powerpoint/2010/main">
+    <mc:Choice Requires="p14">
       <p:transition spd="slow" p14:dur="2000" advTm="50794"/>
     </mc:Choice>
-    <mc:Fallback>
+    <mc:Fallback xmlns="">
       <p:transition spd="slow" advTm="50794"/>
     </mc:Fallback>
   </mc:AlternateContent>
@@ -15578,13 +15578,7 @@
               <a:rPr lang="nl-BE" dirty="0">
                 <a:hlinkClick r:id="rId3"/>
               </a:rPr>
-              <a:t>https://iiif-manifest-editor.textandbytes</a:t>
-            </a:r>
-            <a:r>
-              <a:rPr lang="nl-BE">
-                <a:hlinkClick r:id="rId3"/>
-              </a:rPr>
-              <a:t>.com</a:t>
+              <a:t>https://iiif-manifest-editor.textandbytes.com</a:t>
             </a:r>
             <a:endParaRPr lang="nl-BE" dirty="0"/>
           </a:p>
@@ -15604,9 +15598,12 @@
               <a:buChar char="•"/>
             </a:pPr>
             <a:r>
-              <a:rPr lang="nl-BE" dirty="0"/>
-              <a:t>qsdf</a:t>
-            </a:r>
+              <a:rPr lang="nl-BE">
+                <a:hlinkClick r:id="rId4"/>
+              </a:rPr>
+              <a:t>https://github.com/robwyse/IIIF-metadata</a:t>
+            </a:r>
+            <a:endParaRPr lang="nl-BE" dirty="0"/>
           </a:p>
           <a:p>
             <a:pPr marL="800100" lvl="1" indent="-342900">

--- a/PresentatieMetadataIIIF.pptx
+++ b/PresentatieMetadataIIIF.pptx
@@ -15891,7 +15891,7 @@
             <a:pPr lvl="1"/>
             <a:r>
               <a:rPr lang="nl-BE" sz="2200" dirty="0"/>
-              <a:t>De examples van de IIIF Presentation API v2.1 op iiif.io</a:t>
+              <a:t>De voorbeelden van de IIIF Presentation API v2.1 op iiif.io</a:t>
             </a:r>
           </a:p>
           <a:p>
